--- a/Lab1-EEG_classification.pptx
+++ b/Lab1-EEG_classification.pptx
@@ -212,7 +212,7 @@
           <a:p>
             <a:fld id="{E4DF5E6E-8B88-4C78-9746-DD706F453169}" type="datetimeFigureOut">
               <a:rPr lang="zh-TW" altLang="en-US" smtClean="0"/>
-              <a:t>2021/10/5</a:t>
+              <a:t>2021/10/10</a:t>
             </a:fld>
             <a:endParaRPr lang="zh-TW" altLang="en-US"/>
           </a:p>
@@ -1719,7 +1719,7 @@
           <a:p>
             <a:fld id="{53D147D0-52FD-49FE-B3EE-32F3907AA3BA}" type="datetimeFigureOut">
               <a:rPr lang="en-US" smtClean="0"/>
-              <a:t>10/5/2021</a:t>
+              <a:t>10/10/2021</a:t>
             </a:fld>
             <a:endParaRPr lang="en-US"/>
           </a:p>
@@ -1889,7 +1889,7 @@
           <a:p>
             <a:fld id="{53D147D0-52FD-49FE-B3EE-32F3907AA3BA}" type="datetimeFigureOut">
               <a:rPr lang="en-US" smtClean="0"/>
-              <a:t>10/5/2021</a:t>
+              <a:t>10/10/2021</a:t>
             </a:fld>
             <a:endParaRPr lang="en-US"/>
           </a:p>
@@ -2069,7 +2069,7 @@
           <a:p>
             <a:fld id="{53D147D0-52FD-49FE-B3EE-32F3907AA3BA}" type="datetimeFigureOut">
               <a:rPr lang="en-US" smtClean="0"/>
-              <a:t>10/5/2021</a:t>
+              <a:t>10/10/2021</a:t>
             </a:fld>
             <a:endParaRPr lang="en-US"/>
           </a:p>
@@ -2239,7 +2239,7 @@
           <a:p>
             <a:fld id="{53D147D0-52FD-49FE-B3EE-32F3907AA3BA}" type="datetimeFigureOut">
               <a:rPr lang="en-US" smtClean="0"/>
-              <a:t>10/5/2021</a:t>
+              <a:t>10/10/2021</a:t>
             </a:fld>
             <a:endParaRPr lang="en-US"/>
           </a:p>
@@ -2485,7 +2485,7 @@
           <a:p>
             <a:fld id="{53D147D0-52FD-49FE-B3EE-32F3907AA3BA}" type="datetimeFigureOut">
               <a:rPr lang="en-US" smtClean="0"/>
-              <a:t>10/5/2021</a:t>
+              <a:t>10/10/2021</a:t>
             </a:fld>
             <a:endParaRPr lang="en-US"/>
           </a:p>
@@ -2717,7 +2717,7 @@
           <a:p>
             <a:fld id="{53D147D0-52FD-49FE-B3EE-32F3907AA3BA}" type="datetimeFigureOut">
               <a:rPr lang="en-US" smtClean="0"/>
-              <a:t>10/5/2021</a:t>
+              <a:t>10/10/2021</a:t>
             </a:fld>
             <a:endParaRPr lang="en-US"/>
           </a:p>
@@ -3084,7 +3084,7 @@
           <a:p>
             <a:fld id="{53D147D0-52FD-49FE-B3EE-32F3907AA3BA}" type="datetimeFigureOut">
               <a:rPr lang="en-US" smtClean="0"/>
-              <a:t>10/5/2021</a:t>
+              <a:t>10/10/2021</a:t>
             </a:fld>
             <a:endParaRPr lang="en-US"/>
           </a:p>
@@ -3202,7 +3202,7 @@
           <a:p>
             <a:fld id="{53D147D0-52FD-49FE-B3EE-32F3907AA3BA}" type="datetimeFigureOut">
               <a:rPr lang="en-US" smtClean="0"/>
-              <a:t>10/5/2021</a:t>
+              <a:t>10/10/2021</a:t>
             </a:fld>
             <a:endParaRPr lang="en-US"/>
           </a:p>
@@ -3297,7 +3297,7 @@
           <a:p>
             <a:fld id="{53D147D0-52FD-49FE-B3EE-32F3907AA3BA}" type="datetimeFigureOut">
               <a:rPr lang="en-US" smtClean="0"/>
-              <a:t>10/5/2021</a:t>
+              <a:t>10/10/2021</a:t>
             </a:fld>
             <a:endParaRPr lang="en-US"/>
           </a:p>
@@ -3574,7 +3574,7 @@
           <a:p>
             <a:fld id="{53D147D0-52FD-49FE-B3EE-32F3907AA3BA}" type="datetimeFigureOut">
               <a:rPr lang="en-US" smtClean="0"/>
-              <a:t>10/5/2021</a:t>
+              <a:t>10/10/2021</a:t>
             </a:fld>
             <a:endParaRPr lang="en-US"/>
           </a:p>
@@ -3827,7 +3827,7 @@
           <a:p>
             <a:fld id="{53D147D0-52FD-49FE-B3EE-32F3907AA3BA}" type="datetimeFigureOut">
               <a:rPr lang="en-US" smtClean="0"/>
-              <a:t>10/5/2021</a:t>
+              <a:t>10/10/2021</a:t>
             </a:fld>
             <a:endParaRPr lang="en-US"/>
           </a:p>
@@ -4040,7 +4040,7 @@
           <a:p>
             <a:fld id="{53D147D0-52FD-49FE-B3EE-32F3907AA3BA}" type="datetimeFigureOut">
               <a:rPr lang="en-US" smtClean="0"/>
-              <a:t>10/5/2021</a:t>
+              <a:t>10/10/2021</a:t>
             </a:fld>
             <a:endParaRPr lang="en-US"/>
           </a:p>
@@ -7064,7 +7064,7 @@
                 <a:ea typeface="標楷體" panose="03000509000000000000" pitchFamily="65" charset="-120"/>
                 <a:cs typeface="Times New Roman" panose="02020603050405020304" pitchFamily="18" charset="0"/>
               </a:rPr>
-              <a:t>10</a:t>
+              <a:t>11</a:t>
             </a:r>
             <a:r>
               <a:rPr lang="en-US" altLang="zh-TW" sz="2800" dirty="0" smtClean="0">
@@ -7072,7 +7072,15 @@
                 <a:ea typeface="標楷體" panose="03000509000000000000" pitchFamily="65" charset="-120"/>
                 <a:cs typeface="Times New Roman" panose="02020603050405020304" pitchFamily="18" charset="0"/>
               </a:rPr>
-              <a:t>/20 (Wed) </a:t>
+              <a:t>/3 </a:t>
+            </a:r>
+            <a:r>
+              <a:rPr lang="en-US" altLang="zh-TW" sz="2800" dirty="0" smtClean="0">
+                <a:latin typeface="Times New Roman" panose="02020603050405020304" pitchFamily="18" charset="0"/>
+                <a:ea typeface="標楷體" panose="03000509000000000000" pitchFamily="65" charset="-120"/>
+                <a:cs typeface="Times New Roman" panose="02020603050405020304" pitchFamily="18" charset="0"/>
+              </a:rPr>
+              <a:t>(Wed) </a:t>
             </a:r>
             <a:r>
               <a:rPr lang="en-US" altLang="zh-TW" sz="2800" dirty="0" smtClean="0">
@@ -7121,7 +7129,39 @@
                 <a:ea typeface="標楷體" panose="03000509000000000000" pitchFamily="65" charset="-120"/>
                 <a:cs typeface="Times New Roman" panose="02020603050405020304" pitchFamily="18" charset="0"/>
               </a:rPr>
-              <a:t>Demo date: </a:t>
+              <a:t>Demo date</a:t>
+            </a:r>
+            <a:r>
+              <a:rPr lang="en-US" altLang="zh-TW" sz="2800">
+                <a:latin typeface="Times New Roman" panose="02020603050405020304" pitchFamily="18" charset="0"/>
+                <a:ea typeface="標楷體" panose="03000509000000000000" pitchFamily="65" charset="-120"/>
+                <a:cs typeface="Times New Roman" panose="02020603050405020304" pitchFamily="18" charset="0"/>
+              </a:rPr>
+              <a:t>: </a:t>
+            </a:r>
+            <a:r>
+              <a:rPr lang="en-US" altLang="zh-TW" sz="2800" smtClean="0">
+                <a:latin typeface="Times New Roman" panose="02020603050405020304" pitchFamily="18" charset="0"/>
+                <a:ea typeface="標楷體" panose="03000509000000000000" pitchFamily="65" charset="-120"/>
+                <a:cs typeface="Times New Roman" panose="02020603050405020304" pitchFamily="18" charset="0"/>
+              </a:rPr>
+              <a:t> </a:t>
+            </a:r>
+            <a:r>
+              <a:rPr lang="en-US" altLang="zh-TW" sz="2800" smtClean="0">
+                <a:latin typeface="Times New Roman" panose="02020603050405020304" pitchFamily="18" charset="0"/>
+                <a:ea typeface="標楷體" panose="03000509000000000000" pitchFamily="65" charset="-120"/>
+                <a:cs typeface="Times New Roman" panose="02020603050405020304" pitchFamily="18" charset="0"/>
+              </a:rPr>
+              <a:t>11</a:t>
+            </a:r>
+            <a:r>
+              <a:rPr lang="en-US" altLang="zh-TW" sz="2800" smtClean="0">
+                <a:latin typeface="Times New Roman" panose="02020603050405020304" pitchFamily="18" charset="0"/>
+                <a:ea typeface="標楷體" panose="03000509000000000000" pitchFamily="65" charset="-120"/>
+                <a:cs typeface="Times New Roman" panose="02020603050405020304" pitchFamily="18" charset="0"/>
+              </a:rPr>
+              <a:t>/3 </a:t>
             </a:r>
             <a:r>
               <a:rPr lang="en-US" altLang="zh-TW" sz="2800" dirty="0" smtClean="0">
@@ -7129,7 +7169,7 @@
                 <a:ea typeface="標楷體" panose="03000509000000000000" pitchFamily="65" charset="-120"/>
                 <a:cs typeface="Times New Roman" panose="02020603050405020304" pitchFamily="18" charset="0"/>
               </a:rPr>
-              <a:t> 10/20 (Wed)</a:t>
+              <a:t>(Wed)</a:t>
             </a:r>
             <a:endParaRPr lang="en-US" altLang="zh-TW" sz="2800" dirty="0">
               <a:latin typeface="Times New Roman" panose="02020603050405020304" pitchFamily="18" charset="0"/>
